--- a/Documentação/Apresentação Final.pptx
+++ b/Documentação/Apresentação Final.pptx
@@ -5,7 +5,7 @@
     <p:sldMasterId id="2147483648" r:id="rId1"/>
   </p:sldMasterIdLst>
   <p:notesMasterIdLst>
-    <p:notesMasterId r:id="rId21"/>
+    <p:notesMasterId r:id="rId20"/>
   </p:notesMasterIdLst>
   <p:sldIdLst>
     <p:sldId id="258" r:id="rId2"/>
@@ -18,15 +18,14 @@
     <p:sldId id="284" r:id="rId9"/>
     <p:sldId id="312" r:id="rId10"/>
     <p:sldId id="318" r:id="rId11"/>
-    <p:sldId id="319" r:id="rId12"/>
-    <p:sldId id="275" r:id="rId13"/>
-    <p:sldId id="310" r:id="rId14"/>
-    <p:sldId id="321" r:id="rId15"/>
-    <p:sldId id="272" r:id="rId16"/>
-    <p:sldId id="274" r:id="rId17"/>
-    <p:sldId id="320" r:id="rId18"/>
-    <p:sldId id="288" r:id="rId19"/>
-    <p:sldId id="296" r:id="rId20"/>
+    <p:sldId id="275" r:id="rId12"/>
+    <p:sldId id="310" r:id="rId13"/>
+    <p:sldId id="321" r:id="rId14"/>
+    <p:sldId id="272" r:id="rId15"/>
+    <p:sldId id="274" r:id="rId16"/>
+    <p:sldId id="320" r:id="rId17"/>
+    <p:sldId id="288" r:id="rId18"/>
+    <p:sldId id="296" r:id="rId19"/>
   </p:sldIdLst>
   <p:sldSz cx="12192000" cy="6858000"/>
   <p:notesSz cx="6858000" cy="9144000"/>
@@ -29343,7 +29342,7 @@
           <a:p>
             <a:fld id="{9B0668C0-2704-4EB4-9C25-B8C9552B8CBB}" type="datetimeFigureOut">
               <a:rPr lang="pt-BR" smtClean="0"/>
-              <a:t>24/11/2019</a:t>
+              <a:t>29/11/2019</a:t>
             </a:fld>
             <a:endParaRPr lang="pt-BR"/>
           </a:p>
@@ -29843,7 +29842,7 @@
           <a:p>
             <a:fld id="{5CF7CA47-18C6-4698-AAB6-6FBB128E5F85}" type="slidenum">
               <a:rPr lang="pt-BR" smtClean="0"/>
-              <a:t>19</a:t>
+              <a:t>18</a:t>
             </a:fld>
             <a:endParaRPr lang="pt-BR"/>
           </a:p>
@@ -30009,7 +30008,7 @@
           <a:p>
             <a:fld id="{D8BCA7B2-8C05-43B8-BABA-DC4379CBF90D}" type="datetimeFigureOut">
               <a:rPr lang="pt-BR" smtClean="0"/>
-              <a:t>24/11/2019</a:t>
+              <a:t>29/11/2019</a:t>
             </a:fld>
             <a:endParaRPr lang="pt-BR"/>
           </a:p>
@@ -30207,7 +30206,7 @@
           <a:p>
             <a:fld id="{D8BCA7B2-8C05-43B8-BABA-DC4379CBF90D}" type="datetimeFigureOut">
               <a:rPr lang="pt-BR" smtClean="0"/>
-              <a:t>24/11/2019</a:t>
+              <a:t>29/11/2019</a:t>
             </a:fld>
             <a:endParaRPr lang="pt-BR"/>
           </a:p>
@@ -30415,7 +30414,7 @@
           <a:p>
             <a:fld id="{D8BCA7B2-8C05-43B8-BABA-DC4379CBF90D}" type="datetimeFigureOut">
               <a:rPr lang="pt-BR" smtClean="0"/>
-              <a:t>24/11/2019</a:t>
+              <a:t>29/11/2019</a:t>
             </a:fld>
             <a:endParaRPr lang="pt-BR"/>
           </a:p>
@@ -30613,7 +30612,7 @@
           <a:p>
             <a:fld id="{D8BCA7B2-8C05-43B8-BABA-DC4379CBF90D}" type="datetimeFigureOut">
               <a:rPr lang="pt-BR" smtClean="0"/>
-              <a:t>24/11/2019</a:t>
+              <a:t>29/11/2019</a:t>
             </a:fld>
             <a:endParaRPr lang="pt-BR"/>
           </a:p>
@@ -30888,7 +30887,7 @@
           <a:p>
             <a:fld id="{D8BCA7B2-8C05-43B8-BABA-DC4379CBF90D}" type="datetimeFigureOut">
               <a:rPr lang="pt-BR" smtClean="0"/>
-              <a:t>24/11/2019</a:t>
+              <a:t>29/11/2019</a:t>
             </a:fld>
             <a:endParaRPr lang="pt-BR"/>
           </a:p>
@@ -31153,7 +31152,7 @@
           <a:p>
             <a:fld id="{D8BCA7B2-8C05-43B8-BABA-DC4379CBF90D}" type="datetimeFigureOut">
               <a:rPr lang="pt-BR" smtClean="0"/>
-              <a:t>24/11/2019</a:t>
+              <a:t>29/11/2019</a:t>
             </a:fld>
             <a:endParaRPr lang="pt-BR"/>
           </a:p>
@@ -31565,7 +31564,7 @@
           <a:p>
             <a:fld id="{D8BCA7B2-8C05-43B8-BABA-DC4379CBF90D}" type="datetimeFigureOut">
               <a:rPr lang="pt-BR" smtClean="0"/>
-              <a:t>24/11/2019</a:t>
+              <a:t>29/11/2019</a:t>
             </a:fld>
             <a:endParaRPr lang="pt-BR"/>
           </a:p>
@@ -31706,7 +31705,7 @@
           <a:p>
             <a:fld id="{D8BCA7B2-8C05-43B8-BABA-DC4379CBF90D}" type="datetimeFigureOut">
               <a:rPr lang="pt-BR" smtClean="0"/>
-              <a:t>24/11/2019</a:t>
+              <a:t>29/11/2019</a:t>
             </a:fld>
             <a:endParaRPr lang="pt-BR"/>
           </a:p>
@@ -31819,7 +31818,7 @@
           <a:p>
             <a:fld id="{D8BCA7B2-8C05-43B8-BABA-DC4379CBF90D}" type="datetimeFigureOut">
               <a:rPr lang="pt-BR" smtClean="0"/>
-              <a:t>24/11/2019</a:t>
+              <a:t>29/11/2019</a:t>
             </a:fld>
             <a:endParaRPr lang="pt-BR"/>
           </a:p>
@@ -32130,7 +32129,7 @@
           <a:p>
             <a:fld id="{D8BCA7B2-8C05-43B8-BABA-DC4379CBF90D}" type="datetimeFigureOut">
               <a:rPr lang="pt-BR" smtClean="0"/>
-              <a:t>24/11/2019</a:t>
+              <a:t>29/11/2019</a:t>
             </a:fld>
             <a:endParaRPr lang="pt-BR"/>
           </a:p>
@@ -32418,7 +32417,7 @@
           <a:p>
             <a:fld id="{D8BCA7B2-8C05-43B8-BABA-DC4379CBF90D}" type="datetimeFigureOut">
               <a:rPr lang="pt-BR" smtClean="0"/>
-              <a:t>24/11/2019</a:t>
+              <a:t>29/11/2019</a:t>
             </a:fld>
             <a:endParaRPr lang="pt-BR"/>
           </a:p>
@@ -32659,7 +32658,7 @@
           <a:p>
             <a:fld id="{D8BCA7B2-8C05-43B8-BABA-DC4379CBF90D}" type="datetimeFigureOut">
               <a:rPr lang="pt-BR" smtClean="0"/>
-              <a:t>24/11/2019</a:t>
+              <a:t>29/11/2019</a:t>
             </a:fld>
             <a:endParaRPr lang="pt-BR"/>
           </a:p>
@@ -33546,222 +33545,6 @@
       </p:grpSpPr>
       <p:sp>
         <p:nvSpPr>
-          <p:cNvPr id="13" name="Rectangle 12">
-            <a:extLst>
-              <a:ext uri="{FF2B5EF4-FFF2-40B4-BE49-F238E27FC236}">
-                <a16:creationId xmlns:a16="http://schemas.microsoft.com/office/drawing/2014/main" id="{A4AC5506-6312-4701-8D3C-40187889A947}"/>
-              </a:ext>
-              <a:ext uri="{C183D7F6-B498-43B3-948B-1728B52AA6E4}">
-                <adec:decorative xmlns:adec="http://schemas.microsoft.com/office/drawing/2017/decorative" val="1"/>
-              </a:ext>
-            </a:extLst>
-          </p:cNvPr>
-          <p:cNvSpPr>
-            <a:spLocks noGrp="1" noRot="1" noChangeAspect="1" noMove="1" noResize="1" noEditPoints="1" noAdjustHandles="1" noChangeArrowheads="1" noChangeShapeType="1" noTextEdit="1"/>
-          </p:cNvSpPr>
-          <p:nvPr>
-            <p:extLst>
-              <p:ext uri="{386F3935-93C4-4BCD-93E2-E3B085C9AB24}">
-                <p16:designElem xmlns:p16="http://schemas.microsoft.com/office/powerpoint/2015/main" val="1"/>
-              </p:ext>
-            </p:extLst>
-          </p:nvPr>
-        </p:nvSpPr>
-        <p:spPr>
-          <a:xfrm>
-            <a:off x="0" y="651752"/>
-            <a:ext cx="12192000" cy="736551"/>
-          </a:xfrm>
-          <a:prstGeom prst="rect">
-            <a:avLst/>
-          </a:prstGeom>
-          <a:solidFill>
-            <a:schemeClr val="tx1"/>
-          </a:solidFill>
-          <a:ln>
-            <a:noFill/>
-          </a:ln>
-        </p:spPr>
-        <p:style>
-          <a:lnRef idx="2">
-            <a:schemeClr val="accent1">
-              <a:shade val="50000"/>
-            </a:schemeClr>
-          </a:lnRef>
-          <a:fillRef idx="1">
-            <a:schemeClr val="accent1"/>
-          </a:fillRef>
-          <a:effectRef idx="0">
-            <a:schemeClr val="accent1"/>
-          </a:effectRef>
-          <a:fontRef idx="minor">
-            <a:schemeClr val="lt1"/>
-          </a:fontRef>
-        </p:style>
-        <p:txBody>
-          <a:bodyPr rtlCol="0" anchor="ctr"/>
-          <a:lstStyle/>
-          <a:p>
-            <a:pPr algn="ctr"/>
-            <a:endParaRPr lang="en-US"/>
-          </a:p>
-        </p:txBody>
-      </p:sp>
-      <p:sp>
-        <p:nvSpPr>
-          <p:cNvPr id="2" name="Título 1">
-            <a:extLst>
-              <a:ext uri="{FF2B5EF4-FFF2-40B4-BE49-F238E27FC236}">
-                <a16:creationId xmlns:a16="http://schemas.microsoft.com/office/drawing/2014/main" id="{E0B7F696-990F-4A06-8F6A-14DCE2F6ECEA}"/>
-              </a:ext>
-            </a:extLst>
-          </p:cNvPr>
-          <p:cNvSpPr>
-            <a:spLocks noGrp="1"/>
-          </p:cNvSpPr>
-          <p:nvPr>
-            <p:ph type="title"/>
-          </p:nvPr>
-        </p:nvSpPr>
-        <p:spPr>
-          <a:xfrm>
-            <a:off x="556532" y="643467"/>
-            <a:ext cx="11210925" cy="744836"/>
-          </a:xfrm>
-        </p:spPr>
-        <p:txBody>
-          <a:bodyPr vert="horz" lIns="91440" tIns="45720" rIns="91440" bIns="45720" rtlCol="0" anchor="ctr">
-            <a:normAutofit/>
-          </a:bodyPr>
-          <a:lstStyle/>
-          <a:p>
-            <a:pPr algn="ctr"/>
-            <a:r>
-              <a:rPr lang="en-US" sz="3200" kern="1200" dirty="0">
-                <a:solidFill>
-                  <a:schemeClr val="bg1"/>
-                </a:solidFill>
-                <a:latin typeface="+mj-lt"/>
-                <a:ea typeface="+mj-ea"/>
-                <a:cs typeface="+mj-cs"/>
-              </a:rPr>
-              <a:t>USE CASE</a:t>
-            </a:r>
-          </a:p>
-        </p:txBody>
-      </p:sp>
-      <p:pic>
-        <p:nvPicPr>
-          <p:cNvPr id="8" name="Imagem 7" descr="Uma imagem contendo luz, desenho&#10;&#10;Descrição gerada automaticamente">
-            <a:extLst>
-              <a:ext uri="{FF2B5EF4-FFF2-40B4-BE49-F238E27FC236}">
-                <a16:creationId xmlns:a16="http://schemas.microsoft.com/office/drawing/2014/main" id="{65782BA6-080B-47BE-A78A-F5A29CEFBDBD}"/>
-              </a:ext>
-            </a:extLst>
-          </p:cNvPr>
-          <p:cNvPicPr>
-            <a:picLocks noChangeAspect="1"/>
-          </p:cNvPicPr>
-          <p:nvPr/>
-        </p:nvPicPr>
-        <p:blipFill>
-          <a:blip r:embed="rId2">
-            <a:extLst>
-              <a:ext uri="{28A0092B-C50C-407E-A947-70E740481C1C}">
-                <a14:useLocalDpi xmlns:a14="http://schemas.microsoft.com/office/drawing/2010/main" val="0"/>
-              </a:ext>
-            </a:extLst>
-          </a:blip>
-          <a:stretch>
-            <a:fillRect/>
-          </a:stretch>
-        </p:blipFill>
-        <p:spPr>
-          <a:xfrm>
-            <a:off x="11194903" y="667336"/>
-            <a:ext cx="622595" cy="697098"/>
-          </a:xfrm>
-          <a:prstGeom prst="rect">
-            <a:avLst/>
-          </a:prstGeom>
-        </p:spPr>
-      </p:pic>
-      <p:pic>
-        <p:nvPicPr>
-          <p:cNvPr id="10" name="Imagem 9" descr="Uma imagem contendo texto, mapa, traçado&#10;&#10;Descrição gerada automaticamente">
-            <a:extLst>
-              <a:ext uri="{FF2B5EF4-FFF2-40B4-BE49-F238E27FC236}">
-                <a16:creationId xmlns:a16="http://schemas.microsoft.com/office/drawing/2014/main" id="{D0FAA275-D44D-492A-822D-D86E87CF06BA}"/>
-              </a:ext>
-            </a:extLst>
-          </p:cNvPr>
-          <p:cNvPicPr>
-            <a:picLocks noChangeAspect="1"/>
-          </p:cNvPicPr>
-          <p:nvPr/>
-        </p:nvPicPr>
-        <p:blipFill>
-          <a:blip r:embed="rId3">
-            <a:extLst>
-              <a:ext uri="{28A0092B-C50C-407E-A947-70E740481C1C}">
-                <a14:useLocalDpi xmlns:a14="http://schemas.microsoft.com/office/drawing/2010/main" val="0"/>
-              </a:ext>
-            </a:extLst>
-          </a:blip>
-          <a:stretch>
-            <a:fillRect/>
-          </a:stretch>
-        </p:blipFill>
-        <p:spPr>
-          <a:xfrm>
-            <a:off x="2464108" y="1818640"/>
-            <a:ext cx="7263784" cy="4749025"/>
-          </a:xfrm>
-          <a:prstGeom prst="rect">
-            <a:avLst/>
-          </a:prstGeom>
-        </p:spPr>
-      </p:pic>
-    </p:spTree>
-    <p:extLst>
-      <p:ext uri="{BB962C8B-B14F-4D97-AF65-F5344CB8AC3E}">
-        <p14:creationId xmlns:p14="http://schemas.microsoft.com/office/powerpoint/2010/main" val="2480215450"/>
-      </p:ext>
-    </p:extLst>
-  </p:cSld>
-  <p:clrMapOvr>
-    <a:masterClrMapping/>
-  </p:clrMapOvr>
-</p:sld>
-</file>
-
-<file path=ppt/slides/slide12.xml><?xml version="1.0" encoding="utf-8"?>
-<p:sld xmlns:a="http://schemas.openxmlformats.org/drawingml/2006/main" xmlns:r="http://schemas.openxmlformats.org/officeDocument/2006/relationships" xmlns:p="http://schemas.openxmlformats.org/presentationml/2006/main">
-  <p:cSld>
-    <p:bg>
-      <p:bgPr>
-        <a:solidFill>
-          <a:schemeClr val="bg1"/>
-        </a:solidFill>
-        <a:effectLst/>
-      </p:bgPr>
-    </p:bg>
-    <p:spTree>
-      <p:nvGrpSpPr>
-        <p:cNvPr id="1" name=""/>
-        <p:cNvGrpSpPr/>
-        <p:nvPr/>
-      </p:nvGrpSpPr>
-      <p:grpSpPr>
-        <a:xfrm>
-          <a:off x="0" y="0"/>
-          <a:ext cx="0" cy="0"/>
-          <a:chOff x="0" y="0"/>
-          <a:chExt cx="0" cy="0"/>
-        </a:xfrm>
-      </p:grpSpPr>
-      <p:sp>
-        <p:nvSpPr>
           <p:cNvPr id="2" name="Título 1">
             <a:extLst>
               <a:ext uri="{FF2B5EF4-FFF2-40B4-BE49-F238E27FC236}">
@@ -33877,7 +33660,7 @@
 </p:sld>
 </file>
 
-<file path=ppt/slides/slide13.xml><?xml version="1.0" encoding="utf-8"?>
+<file path=ppt/slides/slide12.xml><?xml version="1.0" encoding="utf-8"?>
 <p:sld xmlns:a="http://schemas.openxmlformats.org/drawingml/2006/main" xmlns:r="http://schemas.openxmlformats.org/officeDocument/2006/relationships" xmlns:p="http://schemas.openxmlformats.org/presentationml/2006/main">
   <p:cSld>
     <p:bg>
@@ -34438,7 +34221,7 @@
 </p:sld>
 </file>
 
-<file path=ppt/slides/slide14.xml><?xml version="1.0" encoding="utf-8"?>
+<file path=ppt/slides/slide13.xml><?xml version="1.0" encoding="utf-8"?>
 <p:sld xmlns:a="http://schemas.openxmlformats.org/drawingml/2006/main" xmlns:r="http://schemas.openxmlformats.org/officeDocument/2006/relationships" xmlns:p="http://schemas.openxmlformats.org/presentationml/2006/main">
   <p:cSld>
     <p:bg>
@@ -34981,7 +34764,7 @@
 </p:sld>
 </file>
 
-<file path=ppt/slides/slide15.xml><?xml version="1.0" encoding="utf-8"?>
+<file path=ppt/slides/slide14.xml><?xml version="1.0" encoding="utf-8"?>
 <p:sld xmlns:a="http://schemas.openxmlformats.org/drawingml/2006/main" xmlns:r="http://schemas.openxmlformats.org/officeDocument/2006/relationships" xmlns:p="http://schemas.openxmlformats.org/presentationml/2006/main">
   <p:cSld>
     <p:bg>
@@ -35154,7 +34937,7 @@
 </p:sld>
 </file>
 
-<file path=ppt/slides/slide16.xml><?xml version="1.0" encoding="utf-8"?>
+<file path=ppt/slides/slide15.xml><?xml version="1.0" encoding="utf-8"?>
 <p:sld xmlns:a="http://schemas.openxmlformats.org/drawingml/2006/main" xmlns:r="http://schemas.openxmlformats.org/officeDocument/2006/relationships" xmlns:p="http://schemas.openxmlformats.org/presentationml/2006/main">
   <p:cSld>
     <p:spTree>
@@ -35708,7 +35491,7 @@
 </p:sld>
 </file>
 
-<file path=ppt/slides/slide17.xml><?xml version="1.0" encoding="utf-8"?>
+<file path=ppt/slides/slide16.xml><?xml version="1.0" encoding="utf-8"?>
 <p:sld xmlns:a="http://schemas.openxmlformats.org/drawingml/2006/main" xmlns:r="http://schemas.openxmlformats.org/officeDocument/2006/relationships" xmlns:p="http://schemas.openxmlformats.org/presentationml/2006/main">
   <p:cSld>
     <p:bg>
@@ -35948,7 +35731,7 @@
 </p:sld>
 </file>
 
-<file path=ppt/slides/slide18.xml><?xml version="1.0" encoding="utf-8"?>
+<file path=ppt/slides/slide17.xml><?xml version="1.0" encoding="utf-8"?>
 <p:sld xmlns:a="http://schemas.openxmlformats.org/drawingml/2006/main" xmlns:r="http://schemas.openxmlformats.org/officeDocument/2006/relationships" xmlns:p="http://schemas.openxmlformats.org/presentationml/2006/main">
   <p:cSld>
     <p:bg>
@@ -36090,7 +35873,7 @@
 </p:sld>
 </file>
 
-<file path=ppt/slides/slide19.xml><?xml version="1.0" encoding="utf-8"?>
+<file path=ppt/slides/slide18.xml><?xml version="1.0" encoding="utf-8"?>
 <p:sld xmlns:a="http://schemas.openxmlformats.org/drawingml/2006/main" xmlns:r="http://schemas.openxmlformats.org/officeDocument/2006/relationships" xmlns:p="http://schemas.openxmlformats.org/presentationml/2006/main">
   <p:cSld>
     <p:spTree>
